--- a/presentazione/Pagliari Lorenzo - presentazione_v3.3.pptx
+++ b/presentazione/Pagliari Lorenzo - presentazione_v3.3.pptx
@@ -258,7 +258,7 @@
             <a:fld id="{3012F1C6-8193-4D58-BB28-44CF9C7F83D5}" type="datetimeFigureOut">
               <a:rPr lang="it-IT" smtClean="0"/>
               <a:pPr/>
-              <a:t>22/09/2015</a:t>
+              <a:t>23/09/2015</a:t>
             </a:fld>
             <a:endParaRPr lang="it-IT" dirty="0"/>
           </a:p>
@@ -420,7 +420,7 @@
             <a:fld id="{0A055084-1CB9-CF40-93F3-663EB9ADEB9C}" type="datetimeFigureOut">
               <a:rPr lang="it-IT" smtClean="0"/>
               <a:pPr/>
-              <a:t>22/09/2015</a:t>
+              <a:t>23/09/2015</a:t>
             </a:fld>
             <a:endParaRPr lang="it-IT" dirty="0"/>
           </a:p>
@@ -589,7 +589,7 @@
     </p:spTree>
     <p:extLst>
       <p:ext uri="{BB962C8B-B14F-4D97-AF65-F5344CB8AC3E}">
-        <p14:creationId xmlns:p14="http://schemas.microsoft.com/office/powerpoint/2010/main" xmlns="" val="983607612"/>
+        <p14:creationId xmlns="" xmlns:p14="http://schemas.microsoft.com/office/powerpoint/2010/main" val="983607612"/>
       </p:ext>
     </p:extLst>
   </p:cSld>
@@ -769,7 +769,7 @@
     </p:spTree>
     <p:extLst>
       <p:ext uri="{BB962C8B-B14F-4D97-AF65-F5344CB8AC3E}">
-        <p14:creationId xmlns:p14="http://schemas.microsoft.com/office/powerpoint/2010/main" xmlns="" val="1229878964"/>
+        <p14:creationId xmlns="" xmlns:p14="http://schemas.microsoft.com/office/powerpoint/2010/main" val="1229878964"/>
       </p:ext>
     </p:extLst>
   </p:cSld>
@@ -1161,7 +1161,7 @@
     </p:spTree>
     <p:extLst>
       <p:ext uri="{BB962C8B-B14F-4D97-AF65-F5344CB8AC3E}">
-        <p14:creationId xmlns:p14="http://schemas.microsoft.com/office/powerpoint/2010/main" xmlns="" val="27430096"/>
+        <p14:creationId xmlns="" xmlns:p14="http://schemas.microsoft.com/office/powerpoint/2010/main" val="27430096"/>
       </p:ext>
     </p:extLst>
   </p:cSld>
@@ -1279,7 +1279,7 @@
     </p:spTree>
     <p:extLst>
       <p:ext uri="{BB962C8B-B14F-4D97-AF65-F5344CB8AC3E}">
-        <p14:creationId xmlns:p14="http://schemas.microsoft.com/office/powerpoint/2010/main" xmlns="" val="1473926903"/>
+        <p14:creationId xmlns="" xmlns:p14="http://schemas.microsoft.com/office/powerpoint/2010/main" val="1473926903"/>
       </p:ext>
     </p:extLst>
   </p:cSld>
@@ -1397,7 +1397,7 @@
     </p:spTree>
     <p:extLst>
       <p:ext uri="{BB962C8B-B14F-4D97-AF65-F5344CB8AC3E}">
-        <p14:creationId xmlns:p14="http://schemas.microsoft.com/office/powerpoint/2010/main" xmlns="" val="1681231856"/>
+        <p14:creationId xmlns="" xmlns:p14="http://schemas.microsoft.com/office/powerpoint/2010/main" val="1681231856"/>
       </p:ext>
     </p:extLst>
   </p:cSld>
@@ -1559,7 +1559,7 @@
     </p:spTree>
     <p:extLst>
       <p:ext uri="{BB962C8B-B14F-4D97-AF65-F5344CB8AC3E}">
-        <p14:creationId xmlns:p14="http://schemas.microsoft.com/office/powerpoint/2010/main" xmlns="" val="27430096"/>
+        <p14:creationId xmlns="" xmlns:p14="http://schemas.microsoft.com/office/powerpoint/2010/main" val="27430096"/>
       </p:ext>
     </p:extLst>
   </p:cSld>
@@ -1612,7 +1612,7 @@
     </p:spTree>
     <p:extLst>
       <p:ext uri="{BB962C8B-B14F-4D97-AF65-F5344CB8AC3E}">
-        <p14:creationId xmlns:p14="http://schemas.microsoft.com/office/powerpoint/2010/main" xmlns="" val="1191776143"/>
+        <p14:creationId xmlns="" xmlns:p14="http://schemas.microsoft.com/office/powerpoint/2010/main" val="1191776143"/>
       </p:ext>
     </p:extLst>
   </p:cSld>
@@ -1642,7 +1642,7 @@
     </p:spTree>
     <p:extLst>
       <p:ext uri="{BB962C8B-B14F-4D97-AF65-F5344CB8AC3E}">
-        <p14:creationId xmlns:p14="http://schemas.microsoft.com/office/powerpoint/2010/main" xmlns="" val="871637495"/>
+        <p14:creationId xmlns="" xmlns:p14="http://schemas.microsoft.com/office/powerpoint/2010/main" val="871637495"/>
       </p:ext>
     </p:extLst>
   </p:cSld>
@@ -1695,7 +1695,7 @@
     </p:spTree>
     <p:extLst>
       <p:ext uri="{BB962C8B-B14F-4D97-AF65-F5344CB8AC3E}">
-        <p14:creationId xmlns:p14="http://schemas.microsoft.com/office/powerpoint/2010/main" xmlns="" val="1191776143"/>
+        <p14:creationId xmlns="" xmlns:p14="http://schemas.microsoft.com/office/powerpoint/2010/main" val="1191776143"/>
       </p:ext>
     </p:extLst>
   </p:cSld>
@@ -1725,7 +1725,7 @@
     </p:spTree>
     <p:extLst>
       <p:ext uri="{BB962C8B-B14F-4D97-AF65-F5344CB8AC3E}">
-        <p14:creationId xmlns:p14="http://schemas.microsoft.com/office/powerpoint/2010/main" xmlns="" val="871637495"/>
+        <p14:creationId xmlns="" xmlns:p14="http://schemas.microsoft.com/office/powerpoint/2010/main" val="871637495"/>
       </p:ext>
     </p:extLst>
   </p:cSld>
@@ -1812,7 +1812,7 @@
     </p:spTree>
     <p:extLst>
       <p:ext uri="{BB962C8B-B14F-4D97-AF65-F5344CB8AC3E}">
-        <p14:creationId xmlns:p14="http://schemas.microsoft.com/office/powerpoint/2010/main" xmlns="" val="1724467125"/>
+        <p14:creationId xmlns="" xmlns:p14="http://schemas.microsoft.com/office/powerpoint/2010/main" val="1724467125"/>
       </p:ext>
     </p:extLst>
   </p:cSld>
@@ -1995,7 +1995,7 @@
     </p:spTree>
     <p:extLst>
       <p:ext uri="{BB962C8B-B14F-4D97-AF65-F5344CB8AC3E}">
-        <p14:creationId xmlns:p14="http://schemas.microsoft.com/office/powerpoint/2010/main" xmlns="" val="3825920509"/>
+        <p14:creationId xmlns="" xmlns:p14="http://schemas.microsoft.com/office/powerpoint/2010/main" val="3825920509"/>
       </p:ext>
     </p:extLst>
   </p:cSld>
@@ -2113,7 +2113,7 @@
     </p:spTree>
     <p:extLst>
       <p:ext uri="{BB962C8B-B14F-4D97-AF65-F5344CB8AC3E}">
-        <p14:creationId xmlns:p14="http://schemas.microsoft.com/office/powerpoint/2010/main" xmlns="" val="1473926903"/>
+        <p14:creationId xmlns="" xmlns:p14="http://schemas.microsoft.com/office/powerpoint/2010/main" val="1473926903"/>
       </p:ext>
     </p:extLst>
   </p:cSld>
@@ -2231,7 +2231,7 @@
     </p:spTree>
     <p:extLst>
       <p:ext uri="{BB962C8B-B14F-4D97-AF65-F5344CB8AC3E}">
-        <p14:creationId xmlns:p14="http://schemas.microsoft.com/office/powerpoint/2010/main" xmlns="" val="1681231856"/>
+        <p14:creationId xmlns="" xmlns:p14="http://schemas.microsoft.com/office/powerpoint/2010/main" val="1681231856"/>
       </p:ext>
     </p:extLst>
   </p:cSld>
@@ -2318,7 +2318,7 @@
     </p:spTree>
     <p:extLst>
       <p:ext uri="{BB962C8B-B14F-4D97-AF65-F5344CB8AC3E}">
-        <p14:creationId xmlns:p14="http://schemas.microsoft.com/office/powerpoint/2010/main" xmlns="" val="1724467125"/>
+        <p14:creationId xmlns="" xmlns:p14="http://schemas.microsoft.com/office/powerpoint/2010/main" val="1724467125"/>
       </p:ext>
     </p:extLst>
   </p:cSld>
@@ -2501,7 +2501,7 @@
     </p:spTree>
     <p:extLst>
       <p:ext uri="{BB962C8B-B14F-4D97-AF65-F5344CB8AC3E}">
-        <p14:creationId xmlns:p14="http://schemas.microsoft.com/office/powerpoint/2010/main" xmlns="" val="3825920509"/>
+        <p14:creationId xmlns="" xmlns:p14="http://schemas.microsoft.com/office/powerpoint/2010/main" val="3825920509"/>
       </p:ext>
     </p:extLst>
   </p:cSld>
@@ -2548,7 +2548,7 @@
           <a:blip r:embed="rId5" cstate="print">
             <a:extLst>
               <a:ext uri="{28A0092B-C50C-407E-A947-70E740481C1C}">
-                <a14:useLocalDpi xmlns:a14="http://schemas.microsoft.com/office/drawing/2010/main" xmlns="" val="0"/>
+                <a14:useLocalDpi xmlns="" xmlns:a14="http://schemas.microsoft.com/office/drawing/2010/main" val="0"/>
               </a:ext>
             </a:extLst>
           </a:blip>
@@ -2571,14 +2571,14 @@
           </a:ln>
           <a:extLst>
             <a:ext uri="{909E8E84-426E-40dd-AFC4-6F175D3DCCD1}">
-              <a14:hiddenFill xmlns:a14="http://schemas.microsoft.com/office/drawing/2010/main" xmlns="">
+              <a14:hiddenFill xmlns="" xmlns:a14="http://schemas.microsoft.com/office/drawing/2010/main">
                 <a:solidFill>
                   <a:srgbClr val="FFFFFF"/>
                 </a:solidFill>
               </a14:hiddenFill>
             </a:ext>
             <a:ext uri="{91240B29-F687-4f45-9708-019B960494DF}">
-              <a14:hiddenLine xmlns:a14="http://schemas.microsoft.com/office/drawing/2010/main" xmlns="" w="9525">
+              <a14:hiddenLine xmlns="" xmlns:a14="http://schemas.microsoft.com/office/drawing/2010/main" w="9525">
                 <a:solidFill>
                   <a:srgbClr val="000000"/>
                 </a:solidFill>
@@ -2656,14 +2656,14 @@
           </a:ln>
           <a:extLst>
             <a:ext uri="{909E8E84-426E-40dd-AFC4-6F175D3DCCD1}">
-              <a14:hiddenFill xmlns:a14="http://schemas.microsoft.com/office/drawing/2010/main" xmlns="">
+              <a14:hiddenFill xmlns="" xmlns:a14="http://schemas.microsoft.com/office/drawing/2010/main">
                 <a:solidFill>
                   <a:srgbClr val="FFFFFF"/>
                 </a:solidFill>
               </a14:hiddenFill>
             </a:ext>
             <a:ext uri="{91240B29-F687-4f45-9708-019B960494DF}">
-              <a14:hiddenLine xmlns:a14="http://schemas.microsoft.com/office/drawing/2010/main" xmlns="" w="9525">
+              <a14:hiddenLine xmlns="" xmlns:a14="http://schemas.microsoft.com/office/drawing/2010/main" w="9525">
                 <a:solidFill>
                   <a:srgbClr val="000000"/>
                 </a:solidFill>
@@ -2673,7 +2673,7 @@
               </a14:hiddenLine>
             </a:ext>
             <a:ext uri="{FAA26D3D-D897-4be2-8F04-BA451C77F1D7}">
-              <ma14:placeholderFlag xmlns:ma14="http://schemas.microsoft.com/office/mac/drawingml/2011/main" xmlns="" val="1"/>
+              <ma14:placeholderFlag xmlns="" xmlns:ma14="http://schemas.microsoft.com/office/mac/drawingml/2011/main" val="1"/>
             </a:ext>
           </a:extLst>
         </p:spPr>
@@ -2722,14 +2722,14 @@
           </a:ln>
           <a:extLst>
             <a:ext uri="{909E8E84-426E-40dd-AFC4-6F175D3DCCD1}">
-              <a14:hiddenFill xmlns:a14="http://schemas.microsoft.com/office/drawing/2010/main" xmlns="">
+              <a14:hiddenFill xmlns="" xmlns:a14="http://schemas.microsoft.com/office/drawing/2010/main">
                 <a:solidFill>
                   <a:srgbClr val="FFFFFF"/>
                 </a:solidFill>
               </a14:hiddenFill>
             </a:ext>
             <a:ext uri="{91240B29-F687-4f45-9708-019B960494DF}">
-              <a14:hiddenLine xmlns:a14="http://schemas.microsoft.com/office/drawing/2010/main" xmlns="" w="9525">
+              <a14:hiddenLine xmlns="" xmlns:a14="http://schemas.microsoft.com/office/drawing/2010/main" w="9525">
                 <a:solidFill>
                   <a:srgbClr val="000000"/>
                 </a:solidFill>
@@ -2739,7 +2739,7 @@
               </a14:hiddenLine>
             </a:ext>
             <a:ext uri="{FAA26D3D-D897-4be2-8F04-BA451C77F1D7}">
-              <ma14:placeholderFlag xmlns:ma14="http://schemas.microsoft.com/office/mac/drawingml/2011/main" xmlns="" val="1"/>
+              <ma14:placeholderFlag xmlns="" xmlns:ma14="http://schemas.microsoft.com/office/mac/drawingml/2011/main" val="1"/>
             </a:ext>
           </a:extLst>
         </p:spPr>
@@ -2783,7 +2783,7 @@
     </p:spTree>
     <p:extLst>
       <p:ext uri="{BB962C8B-B14F-4D97-AF65-F5344CB8AC3E}">
-        <p14:creationId xmlns:p14="http://schemas.microsoft.com/office/powerpoint/2010/main" xmlns="" val="4048614870"/>
+        <p14:creationId xmlns="" xmlns:p14="http://schemas.microsoft.com/office/powerpoint/2010/main" val="4048614870"/>
       </p:ext>
     </p:extLst>
   </p:cSld>
@@ -3234,14 +3234,14 @@
           <a:effectLst/>
           <a:extLst>
             <a:ext uri="{909E8E84-426E-40dd-AFC4-6F175D3DCCD1}">
-              <a14:hiddenFill xmlns:a14="http://schemas.microsoft.com/office/drawing/2010/main" xmlns="">
+              <a14:hiddenFill xmlns="" xmlns:a14="http://schemas.microsoft.com/office/drawing/2010/main">
                 <a:solidFill>
                   <a:schemeClr val="accent1"/>
                 </a:solidFill>
               </a14:hiddenFill>
             </a:ext>
             <a:ext uri="{91240B29-F687-4f45-9708-019B960494DF}">
-              <a14:hiddenLine xmlns:a14="http://schemas.microsoft.com/office/drawing/2010/main" xmlns="" w="9525">
+              <a14:hiddenLine xmlns="" xmlns:a14="http://schemas.microsoft.com/office/drawing/2010/main" w="9525">
                 <a:solidFill>
                   <a:srgbClr val="FF6600"/>
                 </a:solidFill>
@@ -3251,7 +3251,7 @@
               </a14:hiddenLine>
             </a:ext>
             <a:ext uri="{AF507438-7753-43e0-B8FC-AC1667EBCBE1}">
-              <a14:hiddenEffects xmlns:a14="http://schemas.microsoft.com/office/drawing/2010/main" xmlns="">
+              <a14:hiddenEffects xmlns="" xmlns:a14="http://schemas.microsoft.com/office/drawing/2010/main">
                 <a:effectLst>
                   <a:outerShdw blurRad="63500" dist="38099" dir="2700000" algn="ctr" rotWithShape="0">
                     <a:schemeClr val="bg2">
@@ -3807,7 +3807,7 @@
           <a:blip r:embed="rId5" cstate="print">
             <a:extLst>
               <a:ext uri="{28A0092B-C50C-407E-A947-70E740481C1C}">
-                <a14:useLocalDpi xmlns:a14="http://schemas.microsoft.com/office/drawing/2010/main" xmlns="" val="0"/>
+                <a14:useLocalDpi xmlns="" xmlns:a14="http://schemas.microsoft.com/office/drawing/2010/main" val="0"/>
               </a:ext>
             </a:extLst>
           </a:blip>
@@ -3830,14 +3830,14 @@
           </a:ln>
           <a:extLst>
             <a:ext uri="{909E8E84-426E-40dd-AFC4-6F175D3DCCD1}">
-              <a14:hiddenFill xmlns:a14="http://schemas.microsoft.com/office/drawing/2010/main" xmlns="">
+              <a14:hiddenFill xmlns="" xmlns:a14="http://schemas.microsoft.com/office/drawing/2010/main">
                 <a:solidFill>
                   <a:srgbClr val="FFFFFF"/>
                 </a:solidFill>
               </a14:hiddenFill>
             </a:ext>
             <a:ext uri="{91240B29-F687-4f45-9708-019B960494DF}">
-              <a14:hiddenLine xmlns:a14="http://schemas.microsoft.com/office/drawing/2010/main" xmlns="" w="9525">
+              <a14:hiddenLine xmlns="" xmlns:a14="http://schemas.microsoft.com/office/drawing/2010/main" w="9525">
                 <a:solidFill>
                   <a:srgbClr val="000000"/>
                 </a:solidFill>
@@ -3915,14 +3915,14 @@
           </a:ln>
           <a:extLst>
             <a:ext uri="{909E8E84-426E-40dd-AFC4-6F175D3DCCD1}">
-              <a14:hiddenFill xmlns:a14="http://schemas.microsoft.com/office/drawing/2010/main" xmlns="">
+              <a14:hiddenFill xmlns="" xmlns:a14="http://schemas.microsoft.com/office/drawing/2010/main">
                 <a:solidFill>
                   <a:srgbClr val="FFFFFF"/>
                 </a:solidFill>
               </a14:hiddenFill>
             </a:ext>
             <a:ext uri="{91240B29-F687-4f45-9708-019B960494DF}">
-              <a14:hiddenLine xmlns:a14="http://schemas.microsoft.com/office/drawing/2010/main" xmlns="" w="9525">
+              <a14:hiddenLine xmlns="" xmlns:a14="http://schemas.microsoft.com/office/drawing/2010/main" w="9525">
                 <a:solidFill>
                   <a:srgbClr val="000000"/>
                 </a:solidFill>
@@ -3932,7 +3932,7 @@
               </a14:hiddenLine>
             </a:ext>
             <a:ext uri="{FAA26D3D-D897-4be2-8F04-BA451C77F1D7}">
-              <ma14:placeholderFlag xmlns:ma14="http://schemas.microsoft.com/office/mac/drawingml/2011/main" xmlns="" val="1"/>
+              <ma14:placeholderFlag xmlns="" xmlns:ma14="http://schemas.microsoft.com/office/mac/drawingml/2011/main" val="1"/>
             </a:ext>
           </a:extLst>
         </p:spPr>
@@ -3981,14 +3981,14 @@
           </a:ln>
           <a:extLst>
             <a:ext uri="{909E8E84-426E-40dd-AFC4-6F175D3DCCD1}">
-              <a14:hiddenFill xmlns:a14="http://schemas.microsoft.com/office/drawing/2010/main" xmlns="">
+              <a14:hiddenFill xmlns="" xmlns:a14="http://schemas.microsoft.com/office/drawing/2010/main">
                 <a:solidFill>
                   <a:srgbClr val="FFFFFF"/>
                 </a:solidFill>
               </a14:hiddenFill>
             </a:ext>
             <a:ext uri="{91240B29-F687-4f45-9708-019B960494DF}">
-              <a14:hiddenLine xmlns:a14="http://schemas.microsoft.com/office/drawing/2010/main" xmlns="" w="9525">
+              <a14:hiddenLine xmlns="" xmlns:a14="http://schemas.microsoft.com/office/drawing/2010/main" w="9525">
                 <a:solidFill>
                   <a:srgbClr val="000000"/>
                 </a:solidFill>
@@ -3998,7 +3998,7 @@
               </a14:hiddenLine>
             </a:ext>
             <a:ext uri="{FAA26D3D-D897-4be2-8F04-BA451C77F1D7}">
-              <ma14:placeholderFlag xmlns:ma14="http://schemas.microsoft.com/office/mac/drawingml/2011/main" xmlns="" val="1"/>
+              <ma14:placeholderFlag xmlns="" xmlns:ma14="http://schemas.microsoft.com/office/mac/drawingml/2011/main" val="1"/>
             </a:ext>
           </a:extLst>
         </p:spPr>
@@ -4042,7 +4042,7 @@
     </p:spTree>
     <p:extLst>
       <p:ext uri="{BB962C8B-B14F-4D97-AF65-F5344CB8AC3E}">
-        <p14:creationId xmlns:p14="http://schemas.microsoft.com/office/powerpoint/2010/main" xmlns="" val="4048614870"/>
+        <p14:creationId xmlns="" xmlns:p14="http://schemas.microsoft.com/office/powerpoint/2010/main" val="4048614870"/>
       </p:ext>
     </p:extLst>
   </p:cSld>
@@ -4704,7 +4704,7 @@
           <a:blip r:embed="rId3" cstate="print">
             <a:extLst>
               <a:ext uri="{28A0092B-C50C-407E-A947-70E740481C1C}">
-                <a14:useLocalDpi xmlns:a14="http://schemas.microsoft.com/office/drawing/2010/main" xmlns="" val="0"/>
+                <a14:useLocalDpi xmlns="" xmlns:a14="http://schemas.microsoft.com/office/drawing/2010/main" val="0"/>
               </a:ext>
             </a:extLst>
           </a:blip>
@@ -4725,7 +4725,7 @@
     </p:spTree>
     <p:extLst>
       <p:ext uri="{BB962C8B-B14F-4D97-AF65-F5344CB8AC3E}">
-        <p14:creationId xmlns:p14="http://schemas.microsoft.com/office/powerpoint/2010/main" xmlns="" val="2572022632"/>
+        <p14:creationId xmlns="" xmlns:p14="http://schemas.microsoft.com/office/powerpoint/2010/main" val="2572022632"/>
       </p:ext>
     </p:extLst>
   </p:cSld>
@@ -4733,7 +4733,7 @@
     <a:masterClrMapping/>
   </p:clrMapOvr>
   <mc:AlternateContent xmlns:mc="http://schemas.openxmlformats.org/markup-compatibility/2006">
-    <mc:Choice xmlns:p14="http://schemas.microsoft.com/office/powerpoint/2010/main" xmlns="" Requires="p14">
+    <mc:Choice xmlns="" xmlns:p14="http://schemas.microsoft.com/office/powerpoint/2010/main" Requires="p14">
       <p:transition spd="slow" p14:dur="2000" advTm="19458"/>
     </mc:Choice>
     <mc:Fallback>
@@ -4857,13 +4857,8 @@
             </a:pPr>
             <a:r>
               <a:rPr lang="it-IT" sz="2400" dirty="0" smtClean="0"/>
-              <a:t>In dotazione su tutti i dispositivi mobili di recente </a:t>
+              <a:t>In dotazione su tutti i dispositivi mobili di recente produzione</a:t>
             </a:r>
-            <a:r>
-              <a:rPr lang="it-IT" sz="2400" dirty="0" smtClean="0"/>
-              <a:t>produzione</a:t>
-            </a:r>
-            <a:endParaRPr lang="it-IT" sz="2400" dirty="0" smtClean="0"/>
           </a:p>
         </p:txBody>
       </p:sp>
@@ -5764,23 +5759,7 @@
                   <a:schemeClr val="tx2"/>
                 </a:solidFill>
               </a:rPr>
-              <a:t>: la decisione dipende solo dallo stato </a:t>
-            </a:r>
-            <a:r>
-              <a:rPr lang="it-IT" sz="2000" dirty="0" smtClean="0">
-                <a:solidFill>
-                  <a:schemeClr val="tx2"/>
-                </a:solidFill>
-              </a:rPr>
-              <a:t>interno del </a:t>
-            </a:r>
-            <a:r>
-              <a:rPr lang="it-IT" sz="2000" dirty="0" smtClean="0">
-                <a:solidFill>
-                  <a:schemeClr val="tx2"/>
-                </a:solidFill>
-              </a:rPr>
-              <a:t>dispositivo</a:t>
+              <a:t>: la decisione dipende solo dallo stato interno del dispositivo</a:t>
             </a:r>
           </a:p>
           <a:p>
@@ -5802,21 +5781,8 @@
                   <a:schemeClr val="tx2"/>
                 </a:solidFill>
               </a:rPr>
-              <a:t>: termina quando il contatore raggiunge una certa </a:t>
+              <a:t>: termina quando il contatore raggiunge una certa soglia</a:t>
             </a:r>
-            <a:r>
-              <a:rPr lang="it-IT" sz="2000" dirty="0" smtClean="0">
-                <a:solidFill>
-                  <a:schemeClr val="tx2"/>
-                </a:solidFill>
-              </a:rPr>
-              <a:t>soglia</a:t>
-            </a:r>
-            <a:endParaRPr lang="it-IT" sz="2000" dirty="0" smtClean="0">
-              <a:solidFill>
-                <a:schemeClr val="tx2"/>
-              </a:solidFill>
-            </a:endParaRPr>
           </a:p>
         </p:txBody>
       </p:sp>
@@ -5851,7 +5817,7 @@
         </p:nvSpPr>
         <p:spPr>
           <a:xfrm>
-            <a:off x="2182243" y="3339368"/>
+            <a:off x="2182243" y="3369848"/>
             <a:ext cx="5723082" cy="1939637"/>
           </a:xfrm>
           <a:prstGeom prst="wedgeRoundRectCallout">
@@ -8189,9 +8155,6 @@
               </a:rPr>
               <a:t>Sinergia con il Bluetooth </a:t>
             </a:r>
-            <a:endParaRPr lang="it-IT" sz="2400" dirty="0" smtClean="0">
-              <a:latin typeface="Calibri"/>
-            </a:endParaRPr>
           </a:p>
           <a:p>
             <a:pPr>
@@ -8977,11 +8940,7 @@
             </a:pPr>
             <a:r>
               <a:rPr lang="it-IT" sz="2400" dirty="0" smtClean="0"/>
-              <a:t>Il gossip, lavora bene </a:t>
-            </a:r>
-            <a:r>
-              <a:rPr lang="it-IT" sz="2400" dirty="0" smtClean="0"/>
-              <a:t>con lo standard BLE</a:t>
+              <a:t>Il gossip, lavora bene con lo standard BLE</a:t>
             </a:r>
           </a:p>
           <a:p>
@@ -8991,11 +8950,7 @@
             </a:pPr>
             <a:r>
               <a:rPr lang="it-IT" sz="2400" dirty="0" smtClean="0"/>
-              <a:t>L’algoritmo si adatta bene ai </a:t>
-            </a:r>
-            <a:r>
-              <a:rPr lang="it-IT" sz="2400" dirty="0" smtClean="0"/>
-              <a:t>cambiamenti esterni/interni</a:t>
+              <a:t>L’algoritmo si adatta bene ai cambiamenti esterni/interni</a:t>
             </a:r>
           </a:p>
           <a:p>
@@ -9007,7 +8962,6 @@
               <a:rPr lang="it-IT" sz="2400" dirty="0" smtClean="0"/>
               <a:t>L’algoritmo ha una buona efficienza di diffusione</a:t>
             </a:r>
-            <a:endParaRPr lang="it-IT" sz="2400" dirty="0" smtClean="0"/>
           </a:p>
           <a:p>
             <a:endParaRPr lang="it-IT" sz="1600" b="1" dirty="0" smtClean="0"/>
@@ -9115,7 +9069,7 @@
           <a:blip r:embed="rId2" cstate="print">
             <a:extLst>
               <a:ext uri="{28A0092B-C50C-407E-A947-70E740481C1C}">
-                <a14:useLocalDpi xmlns:a14="http://schemas.microsoft.com/office/drawing/2010/main" xmlns="" val="0"/>
+                <a14:useLocalDpi xmlns="" xmlns:a14="http://schemas.microsoft.com/office/drawing/2010/main" val="0"/>
               </a:ext>
             </a:extLst>
           </a:blip>
@@ -9190,7 +9144,7 @@
     </p:spTree>
     <p:extLst>
       <p:ext uri="{BB962C8B-B14F-4D97-AF65-F5344CB8AC3E}">
-        <p14:creationId xmlns:p14="http://schemas.microsoft.com/office/powerpoint/2010/main" xmlns="" val="1982816369"/>
+        <p14:creationId xmlns="" xmlns:p14="http://schemas.microsoft.com/office/powerpoint/2010/main" val="1982816369"/>
       </p:ext>
     </p:extLst>
   </p:cSld>
@@ -9198,7 +9152,7 @@
     <a:masterClrMapping/>
   </p:clrMapOvr>
   <mc:AlternateContent xmlns:mc="http://schemas.openxmlformats.org/markup-compatibility/2006">
-    <mc:Choice xmlns:p14="http://schemas.microsoft.com/office/powerpoint/2010/main" xmlns="" Requires="p14">
+    <mc:Choice xmlns="" xmlns:p14="http://schemas.microsoft.com/office/powerpoint/2010/main" Requires="p14">
       <p:transition spd="slow" p14:dur="2000" advTm="5275"/>
     </mc:Choice>
     <mc:Fallback>
@@ -33148,11 +33102,7 @@
             </a:r>
             <a:r>
               <a:rPr lang="it-IT" smtClean="0"/>
-              <a:t>– </a:t>
-            </a:r>
-            <a:r>
-              <a:rPr lang="it-IT" smtClean="0"/>
-              <a:t>Complessità</a:t>
+              <a:t>– Complessità</a:t>
             </a:r>
             <a:endParaRPr lang="it-IT" dirty="0" smtClean="0"/>
           </a:p>
@@ -33195,7 +33145,6 @@
               <a:rPr lang="it-IT" sz="2400" dirty="0" smtClean="0"/>
               <a:t>Difficile stabilire la complessità con questi parametri variabili</a:t>
             </a:r>
-            <a:endParaRPr lang="it-IT" sz="2400" dirty="0" smtClean="0"/>
           </a:p>
           <a:p>
             <a:pPr>
@@ -33426,6 +33375,13 @@
   <p:clrMapOvr>
     <a:masterClrMapping/>
   </p:clrMapOvr>
+  <p:timing>
+    <p:tnLst>
+      <p:par>
+        <p:cTn id="1" dur="indefinite" restart="never" nodeType="tmRoot"/>
+      </p:par>
+    </p:tnLst>
+  </p:timing>
 </p:sld>
 </file>
 
@@ -33632,11 +33588,7 @@
             </a:pPr>
             <a:r>
               <a:rPr lang="it-IT" sz="2400" dirty="0" smtClean="0"/>
-              <a:t>La diffusione </a:t>
-            </a:r>
-            <a:r>
-              <a:rPr lang="it-IT" sz="2400" dirty="0" smtClean="0"/>
-              <a:t>dei messaggi è in carico all’infrastruttura di rete</a:t>
+              <a:t>La diffusione dei messaggi è in carico all’infrastruttura di rete</a:t>
             </a:r>
           </a:p>
           <a:p>
@@ -35054,13 +35006,8 @@
             </a:pPr>
             <a:r>
               <a:rPr lang="it-IT" sz="2400" dirty="0" smtClean="0"/>
-              <a:t>Assenza controlli centralizzati e di </a:t>
+              <a:t>Assenza controlli centralizzati e di autenticazione</a:t>
             </a:r>
-            <a:r>
-              <a:rPr lang="it-IT" sz="2400" dirty="0" smtClean="0"/>
-              <a:t>autenticazione</a:t>
-            </a:r>
-            <a:endParaRPr lang="it-IT" sz="2400" dirty="0" smtClean="0"/>
           </a:p>
           <a:p>
             <a:pPr>
@@ -35093,11 +35040,7 @@
             </a:br>
             <a:r>
               <a:rPr lang="it-IT" sz="2400" dirty="0" smtClean="0"/>
-              <a:t>comunicazioni </a:t>
-            </a:r>
-            <a:r>
-              <a:rPr lang="it-IT" sz="2400" dirty="0" smtClean="0"/>
-              <a:t>Peer-to-Peer</a:t>
+              <a:t>comunicazioni Peer-to-Peer</a:t>
             </a:r>
             <a:br>
               <a:rPr lang="it-IT" sz="2400" dirty="0" smtClean="0"/>
@@ -35106,7 +35049,6 @@
               <a:rPr lang="it-IT" sz="2400" dirty="0" smtClean="0"/>
               <a:t>tra nodi vicini</a:t>
             </a:r>
-            <a:endParaRPr lang="it-IT" sz="2400" dirty="0" smtClean="0"/>
           </a:p>
         </p:txBody>
       </p:sp>
@@ -35197,11 +35139,7 @@
             </a:pPr>
             <a:r>
               <a:rPr lang="it-IT" sz="2400" dirty="0" smtClean="0"/>
-              <a:t>Indipendente dalle </a:t>
-            </a:r>
-            <a:r>
-              <a:rPr lang="it-IT" sz="2400" dirty="0" smtClean="0"/>
-              <a:t>reti di comunicazione: </a:t>
+              <a:t>Indipendente dalle reti di comunicazione: </a:t>
             </a:r>
             <a:r>
               <a:rPr lang="it-IT" sz="2400" b="1" i="1" dirty="0" smtClean="0">
@@ -35224,11 +35162,7 @@
             </a:pPr>
             <a:r>
               <a:rPr lang="it-IT" sz="2400" dirty="0" smtClean="0"/>
-              <a:t>Utilizza dispositivi di </a:t>
-            </a:r>
-            <a:r>
-              <a:rPr lang="it-IT" sz="2400" dirty="0" smtClean="0"/>
-              <a:t>comune utilizzo: </a:t>
+              <a:t>Utilizza dispositivi di comune utilizzo: </a:t>
             </a:r>
             <a:r>
               <a:rPr lang="it-IT" sz="2400" b="1" i="1" dirty="0" smtClean="0">
@@ -35247,11 +35181,7 @@
             </a:pPr>
             <a:r>
               <a:rPr lang="it-IT" sz="2400" dirty="0" smtClean="0"/>
-              <a:t>Usa regole </a:t>
-            </a:r>
-            <a:r>
-              <a:rPr lang="it-IT" sz="2400" dirty="0" smtClean="0"/>
-              <a:t>per la diffusione delle informazioni: </a:t>
+              <a:t>Usa regole per la diffusione delle informazioni: </a:t>
             </a:r>
             <a:r>
               <a:rPr lang="it-IT" sz="2400" b="1" i="1" dirty="0" smtClean="0">
